--- a/Visit Scotland Presentation.pptx
+++ b/Visit Scotland Presentation.pptx
@@ -5,7 +5,7 @@
     <p:sldMasterId id="2147483672" r:id="rId1"/>
   </p:sldMasterIdLst>
   <p:notesMasterIdLst>
-    <p:notesMasterId r:id="rId15"/>
+    <p:notesMasterId r:id="rId16"/>
   </p:notesMasterIdLst>
   <p:sldIdLst>
     <p:sldId id="256" r:id="rId2"/>
@@ -21,6 +21,7 @@
     <p:sldId id="265" r:id="rId12"/>
     <p:sldId id="266" r:id="rId13"/>
     <p:sldId id="267" r:id="rId14"/>
+    <p:sldId id="269" r:id="rId15"/>
   </p:sldIdLst>
   <p:sldSz cx="12192000" cy="6858000"/>
   <p:notesSz cx="6858000" cy="9144000"/>
@@ -176,7 +177,7 @@
             </a:lvl1pPr>
           </a:lstStyle>
           <a:p>
-            <a:endParaRPr lang="en-US"/>
+            <a:endParaRPr lang="en-US" dirty="0"/>
           </a:p>
         </p:txBody>
       </p:sp>
@@ -211,7 +212,7 @@
               <a:rPr lang="en-US" smtClean="0"/>
               <a:t>9/16/21</a:t>
             </a:fld>
-            <a:endParaRPr lang="en-US"/>
+            <a:endParaRPr lang="en-US" dirty="0"/>
           </a:p>
         </p:txBody>
       </p:sp>
@@ -244,7 +245,7 @@
           <a:bodyPr vert="horz" lIns="91440" tIns="45720" rIns="91440" bIns="45720" rtlCol="0" anchor="ctr"/>
           <a:lstStyle/>
           <a:p>
-            <a:endParaRPr lang="en-US"/>
+            <a:endParaRPr lang="en-US" dirty="0"/>
           </a:p>
         </p:txBody>
       </p:sp>
@@ -335,7 +336,7 @@
             </a:lvl1pPr>
           </a:lstStyle>
           <a:p>
-            <a:endParaRPr lang="en-US"/>
+            <a:endParaRPr lang="en-US" dirty="0"/>
           </a:p>
         </p:txBody>
       </p:sp>
@@ -370,7 +371,7 @@
               <a:rPr lang="en-US" smtClean="0"/>
               <a:t>‹#›</a:t>
             </a:fld>
-            <a:endParaRPr lang="en-US"/>
+            <a:endParaRPr lang="en-US" dirty="0"/>
           </a:p>
         </p:txBody>
       </p:sp>
@@ -2631,7 +2632,7 @@
           </a:lstStyle>
           <a:p>
             <a:r>
-              <a:rPr lang="en-GB"/>
+              <a:rPr lang="en-GB" dirty="0"/>
               <a:t>Click icon to add picture</a:t>
             </a:r>
             <a:endParaRPr lang="en-US" dirty="0"/>
@@ -4304,6 +4305,428 @@
 </p:sld>
 </file>
 
+<file path=ppt/slides/slide14.xml><?xml version="1.0" encoding="utf-8"?>
+<p:sld xmlns:a="http://schemas.openxmlformats.org/drawingml/2006/main" xmlns:r="http://schemas.openxmlformats.org/officeDocument/2006/relationships" xmlns:p="http://schemas.openxmlformats.org/presentationml/2006/main">
+  <p:cSld>
+    <p:spTree>
+      <p:nvGrpSpPr>
+        <p:cNvPr id="1" name=""/>
+        <p:cNvGrpSpPr/>
+        <p:nvPr/>
+      </p:nvGrpSpPr>
+      <p:grpSpPr>
+        <a:xfrm>
+          <a:off x="0" y="0"/>
+          <a:ext cx="0" cy="0"/>
+          <a:chOff x="0" y="0"/>
+          <a:chExt cx="0" cy="0"/>
+        </a:xfrm>
+      </p:grpSpPr>
+      <p:sp>
+        <p:nvSpPr>
+          <p:cNvPr id="4" name="Title 1">
+            <a:extLst>
+              <a:ext uri="{FF2B5EF4-FFF2-40B4-BE49-F238E27FC236}">
+                <a16:creationId xmlns:a16="http://schemas.microsoft.com/office/drawing/2014/main" id="{01CAB60A-D123-234C-A5EA-D4A19AC8967A}"/>
+              </a:ext>
+            </a:extLst>
+          </p:cNvPr>
+          <p:cNvSpPr txBox="1">
+            <a:spLocks/>
+          </p:cNvSpPr>
+          <p:nvPr/>
+        </p:nvSpPr>
+        <p:spPr>
+          <a:xfrm>
+            <a:off x="0" y="0"/>
+            <a:ext cx="12192000" cy="1200329"/>
+          </a:xfrm>
+          <a:prstGeom prst="rect">
+            <a:avLst/>
+          </a:prstGeom>
+          <a:solidFill>
+            <a:srgbClr val="002060"/>
+          </a:solidFill>
+        </p:spPr>
+        <p:txBody>
+          <a:bodyPr vert="horz" lIns="91440" tIns="45720" rIns="91440" bIns="45720" rtlCol="0" anchor="ctr">
+            <a:normAutofit fontScale="97500"/>
+          </a:bodyPr>
+          <a:lstStyle>
+            <a:lvl1pPr algn="l" defTabSz="914400" rtl="0" eaLnBrk="1" latinLnBrk="0" hangingPunct="1">
+              <a:lnSpc>
+                <a:spcPct val="90000"/>
+              </a:lnSpc>
+              <a:spcBef>
+                <a:spcPct val="0"/>
+              </a:spcBef>
+              <a:buNone/>
+              <a:defRPr sz="4400" kern="1200">
+                <a:solidFill>
+                  <a:schemeClr val="tx1"/>
+                </a:solidFill>
+                <a:latin typeface="+mj-lt"/>
+                <a:ea typeface="+mj-ea"/>
+                <a:cs typeface="+mj-cs"/>
+              </a:defRPr>
+            </a:lvl1pPr>
+          </a:lstStyle>
+          <a:p>
+            <a:r>
+              <a:rPr lang="en-GB" sz="3200" dirty="0">
+                <a:solidFill>
+                  <a:schemeClr val="bg1"/>
+                </a:solidFill>
+              </a:rPr>
+              <a:t>Is there any way to predict spending and visits for Visit Scotland? </a:t>
+            </a:r>
+          </a:p>
+        </p:txBody>
+      </p:sp>
+      <p:sp>
+        <p:nvSpPr>
+          <p:cNvPr id="6" name="TextBox 5">
+            <a:extLst>
+              <a:ext uri="{FF2B5EF4-FFF2-40B4-BE49-F238E27FC236}">
+                <a16:creationId xmlns:a16="http://schemas.microsoft.com/office/drawing/2014/main" id="{E2155B82-9737-2848-9D59-0F1A89CB4F0E}"/>
+              </a:ext>
+            </a:extLst>
+          </p:cNvPr>
+          <p:cNvSpPr txBox="1"/>
+          <p:nvPr/>
+        </p:nvSpPr>
+        <p:spPr>
+          <a:xfrm>
+            <a:off x="585788" y="1700212"/>
+            <a:ext cx="6329362" cy="1200329"/>
+          </a:xfrm>
+          <a:prstGeom prst="rect">
+            <a:avLst/>
+          </a:prstGeom>
+          <a:noFill/>
+        </p:spPr>
+        <p:txBody>
+          <a:bodyPr wrap="square" rtlCol="0">
+            <a:spAutoFit/>
+          </a:bodyPr>
+          <a:lstStyle/>
+          <a:p>
+            <a:r>
+              <a:rPr lang="en-US" dirty="0"/>
+              <a:t>Linear Model to predict number of visits to Scotland:</a:t>
+            </a:r>
+          </a:p>
+          <a:p>
+            <a:r>
+              <a:rPr lang="en-US" dirty="0"/>
+              <a:t> - based on demographics of visitors from 2013 to 2019</a:t>
+            </a:r>
+          </a:p>
+          <a:p>
+            <a:r>
+              <a:rPr lang="en-US" dirty="0"/>
+              <a:t> - taking key demographic categories based in their correlation to number of visits </a:t>
+            </a:r>
+          </a:p>
+        </p:txBody>
+      </p:sp>
+      <p:graphicFrame>
+        <p:nvGraphicFramePr>
+          <p:cNvPr id="7" name="Table 7">
+            <a:extLst>
+              <a:ext uri="{FF2B5EF4-FFF2-40B4-BE49-F238E27FC236}">
+                <a16:creationId xmlns:a16="http://schemas.microsoft.com/office/drawing/2014/main" id="{2D513ABF-E648-904E-934A-7B91D0296141}"/>
+              </a:ext>
+            </a:extLst>
+          </p:cNvPr>
+          <p:cNvGraphicFramePr>
+            <a:graphicFrameLocks noGrp="1"/>
+          </p:cNvGraphicFramePr>
+          <p:nvPr>
+            <p:extLst>
+              <p:ext uri="{D42A27DB-BD31-4B8C-83A1-F6EECF244321}">
+                <p14:modId xmlns:p14="http://schemas.microsoft.com/office/powerpoint/2010/main" val="1148901332"/>
+              </p:ext>
+            </p:extLst>
+          </p:nvPr>
+        </p:nvGraphicFramePr>
+        <p:xfrm>
+          <a:off x="585788" y="3257550"/>
+          <a:ext cx="8127999" cy="2827302"/>
+        </p:xfrm>
+        <a:graphic>
+          <a:graphicData uri="http://schemas.openxmlformats.org/drawingml/2006/table">
+            <a:tbl>
+              <a:tblPr firstRow="1" bandRow="1">
+                <a:tableStyleId>{5C22544A-7EE6-4342-B048-85BDC9FD1C3A}</a:tableStyleId>
+              </a:tblPr>
+              <a:tblGrid>
+                <a:gridCol w="2709333">
+                  <a:extLst>
+                    <a:ext uri="{9D8B030D-6E8A-4147-A177-3AD203B41FA5}">
+                      <a16:colId xmlns:a16="http://schemas.microsoft.com/office/drawing/2014/main" val="21694487"/>
+                    </a:ext>
+                  </a:extLst>
+                </a:gridCol>
+                <a:gridCol w="2709333">
+                  <a:extLst>
+                    <a:ext uri="{9D8B030D-6E8A-4147-A177-3AD203B41FA5}">
+                      <a16:colId xmlns:a16="http://schemas.microsoft.com/office/drawing/2014/main" val="3243823961"/>
+                    </a:ext>
+                  </a:extLst>
+                </a:gridCol>
+                <a:gridCol w="2709333">
+                  <a:extLst>
+                    <a:ext uri="{9D8B030D-6E8A-4147-A177-3AD203B41FA5}">
+                      <a16:colId xmlns:a16="http://schemas.microsoft.com/office/drawing/2014/main" val="42389149"/>
+                    </a:ext>
+                  </a:extLst>
+                </a:gridCol>
+              </a:tblGrid>
+              <a:tr h="636411">
+                <a:tc>
+                  <a:txBody>
+                    <a:bodyPr/>
+                    <a:lstStyle/>
+                    <a:p>
+                      <a:r>
+                        <a:rPr lang="en-US" dirty="0"/>
+                        <a:t>Predictors in Model</a:t>
+                      </a:r>
+                    </a:p>
+                  </a:txBody>
+                  <a:tcPr/>
+                </a:tc>
+                <a:tc>
+                  <a:txBody>
+                    <a:bodyPr/>
+                    <a:lstStyle/>
+                    <a:p>
+                      <a:pPr marL="0" marR="0" lvl="0" indent="0" algn="l" defTabSz="914400" rtl="0" eaLnBrk="1" fontAlgn="auto" latinLnBrk="0" hangingPunct="1">
+                        <a:lnSpc>
+                          <a:spcPct val="100000"/>
+                        </a:lnSpc>
+                        <a:spcBef>
+                          <a:spcPts val="0"/>
+                        </a:spcBef>
+                        <a:spcAft>
+                          <a:spcPts val="0"/>
+                        </a:spcAft>
+                        <a:buClrTx/>
+                        <a:buSzTx/>
+                        <a:buFontTx/>
+                        <a:buNone/>
+                        <a:tabLst/>
+                        <a:defRPr/>
+                      </a:pPr>
+                      <a:r>
+                        <a:rPr lang="en-US" dirty="0"/>
+                        <a:t>Demographic Category</a:t>
+                      </a:r>
+                    </a:p>
+                    <a:p>
+                      <a:endParaRPr lang="en-US" dirty="0"/>
+                    </a:p>
+                  </a:txBody>
+                  <a:tcPr/>
+                </a:tc>
+                <a:tc>
+                  <a:txBody>
+                    <a:bodyPr/>
+                    <a:lstStyle/>
+                    <a:p>
+                      <a:pPr marL="0" marR="0" lvl="0" indent="0" algn="l" defTabSz="914400" rtl="0" eaLnBrk="1" fontAlgn="auto" latinLnBrk="0" hangingPunct="1">
+                        <a:lnSpc>
+                          <a:spcPct val="100000"/>
+                        </a:lnSpc>
+                        <a:spcBef>
+                          <a:spcPts val="0"/>
+                        </a:spcBef>
+                        <a:spcAft>
+                          <a:spcPts val="0"/>
+                        </a:spcAft>
+                        <a:buClrTx/>
+                        <a:buSzTx/>
+                        <a:buFontTx/>
+                        <a:buNone/>
+                        <a:tabLst/>
+                        <a:defRPr/>
+                      </a:pPr>
+                      <a:r>
+                        <a:rPr lang="en-US" dirty="0"/>
+                        <a:t>Percentage of outcome predicted by model</a:t>
+                      </a:r>
+                    </a:p>
+                    <a:p>
+                      <a:endParaRPr lang="en-US" dirty="0"/>
+                    </a:p>
+                  </a:txBody>
+                  <a:tcPr/>
+                </a:tc>
+                <a:extLst>
+                  <a:ext uri="{0D108BD9-81ED-4DB2-BD59-A6C34878D82A}">
+                    <a16:rowId xmlns:a16="http://schemas.microsoft.com/office/drawing/2014/main" val="203698952"/>
+                  </a:ext>
+                </a:extLst>
+              </a:tr>
+              <a:tr h="636411">
+                <a:tc>
+                  <a:txBody>
+                    <a:bodyPr/>
+                    <a:lstStyle/>
+                    <a:p>
+                      <a:r>
+                        <a:rPr lang="en-US" dirty="0"/>
+                        <a:t>Has Access to a car – Yes</a:t>
+                      </a:r>
+                    </a:p>
+                  </a:txBody>
+                  <a:tcPr/>
+                </a:tc>
+                <a:tc>
+                  <a:txBody>
+                    <a:bodyPr/>
+                    <a:lstStyle/>
+                    <a:p>
+                      <a:r>
+                        <a:rPr lang="en-US" dirty="0"/>
+                        <a:t>Access to car</a:t>
+                      </a:r>
+                    </a:p>
+                  </a:txBody>
+                  <a:tcPr/>
+                </a:tc>
+                <a:tc>
+                  <a:txBody>
+                    <a:bodyPr/>
+                    <a:lstStyle/>
+                    <a:p>
+                      <a:r>
+                        <a:rPr lang="en-US" dirty="0"/>
+                        <a:t>68.26%</a:t>
+                      </a:r>
+                    </a:p>
+                    <a:p>
+                      <a:endParaRPr lang="en-US" dirty="0"/>
+                    </a:p>
+                  </a:txBody>
+                  <a:tcPr/>
+                </a:tc>
+                <a:extLst>
+                  <a:ext uri="{0D108BD9-81ED-4DB2-BD59-A6C34878D82A}">
+                    <a16:rowId xmlns:a16="http://schemas.microsoft.com/office/drawing/2014/main" val="1037887777"/>
+                  </a:ext>
+                </a:extLst>
+              </a:tr>
+              <a:tr h="636411">
+                <a:tc>
+                  <a:txBody>
+                    <a:bodyPr/>
+                    <a:lstStyle/>
+                    <a:p>
+                      <a:r>
+                        <a:rPr lang="en-US" dirty="0"/>
+                        <a:t>Married</a:t>
+                      </a:r>
+                    </a:p>
+                  </a:txBody>
+                  <a:tcPr/>
+                </a:tc>
+                <a:tc>
+                  <a:txBody>
+                    <a:bodyPr/>
+                    <a:lstStyle/>
+                    <a:p>
+                      <a:r>
+                        <a:rPr lang="en-US" dirty="0"/>
+                        <a:t>Marital Status</a:t>
+                      </a:r>
+                    </a:p>
+                  </a:txBody>
+                  <a:tcPr/>
+                </a:tc>
+                <a:tc>
+                  <a:txBody>
+                    <a:bodyPr/>
+                    <a:lstStyle/>
+                    <a:p>
+                      <a:r>
+                        <a:rPr lang="en-US" dirty="0"/>
+                        <a:t>88.62%</a:t>
+                      </a:r>
+                    </a:p>
+                  </a:txBody>
+                  <a:tcPr/>
+                </a:tc>
+                <a:extLst>
+                  <a:ext uri="{0D108BD9-81ED-4DB2-BD59-A6C34878D82A}">
+                    <a16:rowId xmlns:a16="http://schemas.microsoft.com/office/drawing/2014/main" val="2656892937"/>
+                  </a:ext>
+                </a:extLst>
+              </a:tr>
+              <a:tr h="636411">
+                <a:tc>
+                  <a:txBody>
+                    <a:bodyPr/>
+                    <a:lstStyle/>
+                    <a:p>
+                      <a:r>
+                        <a:rPr lang="en-US" dirty="0"/>
+                        <a:t>In full/part time education</a:t>
+                      </a:r>
+                    </a:p>
+                  </a:txBody>
+                  <a:tcPr/>
+                </a:tc>
+                <a:tc>
+                  <a:txBody>
+                    <a:bodyPr/>
+                    <a:lstStyle/>
+                    <a:p>
+                      <a:r>
+                        <a:rPr lang="en-US" dirty="0"/>
+                        <a:t>Employment Status</a:t>
+                      </a:r>
+                    </a:p>
+                  </a:txBody>
+                  <a:tcPr/>
+                </a:tc>
+                <a:tc>
+                  <a:txBody>
+                    <a:bodyPr/>
+                    <a:lstStyle/>
+                    <a:p>
+                      <a:r>
+                        <a:rPr lang="en-US" dirty="0"/>
+                        <a:t>94.36%</a:t>
+                      </a:r>
+                    </a:p>
+                  </a:txBody>
+                  <a:tcPr/>
+                </a:tc>
+                <a:extLst>
+                  <a:ext uri="{0D108BD9-81ED-4DB2-BD59-A6C34878D82A}">
+                    <a16:rowId xmlns:a16="http://schemas.microsoft.com/office/drawing/2014/main" val="1168028035"/>
+                  </a:ext>
+                </a:extLst>
+              </a:tr>
+            </a:tbl>
+          </a:graphicData>
+        </a:graphic>
+      </p:graphicFrame>
+    </p:spTree>
+    <p:extLst>
+      <p:ext uri="{BB962C8B-B14F-4D97-AF65-F5344CB8AC3E}">
+        <p14:creationId xmlns:p14="http://schemas.microsoft.com/office/powerpoint/2010/main" val="1276074007"/>
+      </p:ext>
+    </p:extLst>
+  </p:cSld>
+  <p:clrMapOvr>
+    <a:masterClrMapping/>
+  </p:clrMapOvr>
+</p:sld>
+</file>
+
 <file path=ppt/slides/slide2.xml><?xml version="1.0" encoding="utf-8"?>
 <p:sld xmlns:a="http://schemas.openxmlformats.org/drawingml/2006/main" xmlns:r="http://schemas.openxmlformats.org/officeDocument/2006/relationships" xmlns:p="http://schemas.openxmlformats.org/presentationml/2006/main">
   <p:cSld>
@@ -4382,8 +4805,8 @@
         </p:nvSpPr>
         <p:spPr>
           <a:xfrm>
-            <a:off x="457199" y="3043057"/>
-            <a:ext cx="10344150" cy="3139321"/>
+            <a:off x="457199" y="2123658"/>
+            <a:ext cx="10344150" cy="369332"/>
           </a:xfrm>
           <a:prstGeom prst="rect">
             <a:avLst/>
@@ -4396,67 +4819,7 @@
           </a:bodyPr>
           <a:lstStyle/>
           <a:p>
-            <a:r>
-              <a:rPr lang="en-US" u="sng" dirty="0"/>
-              <a:t>Brief</a:t>
-            </a:r>
-          </a:p>
-          <a:p>
-            <a:r>
-              <a:rPr lang="en-US" dirty="0"/>
-              <a:t>Provide insights into Scottish Domestic Tourism for the following based on 2013 to 2019 Scot Gov data.</a:t>
-            </a:r>
-          </a:p>
-          <a:p>
-            <a:r>
-              <a:rPr lang="en-US" dirty="0"/>
-              <a:t>Day Visits based on:</a:t>
-            </a:r>
-          </a:p>
-          <a:p>
-            <a:r>
-              <a:rPr lang="en-US" dirty="0"/>
-              <a:t> - Activities</a:t>
-            </a:r>
-          </a:p>
-          <a:p>
-            <a:r>
-              <a:rPr lang="en-US" dirty="0"/>
-              <a:t> - Demographics</a:t>
-            </a:r>
-          </a:p>
-          <a:p>
-            <a:r>
-              <a:rPr lang="en-US" dirty="0"/>
-              <a:t> - Location Type</a:t>
-            </a:r>
-          </a:p>
-          <a:p>
-            <a:r>
-              <a:rPr lang="en-US" dirty="0"/>
-              <a:t> - Transportation</a:t>
-            </a:r>
-          </a:p>
-          <a:p>
             <a:endParaRPr lang="en-US" dirty="0"/>
-          </a:p>
-          <a:p>
-            <a:r>
-              <a:rPr lang="en-US" dirty="0"/>
-              <a:t>Regional Tourism based on:</a:t>
-            </a:r>
-          </a:p>
-          <a:p>
-            <a:r>
-              <a:rPr lang="en-US" dirty="0"/>
-              <a:t> - Areas visited</a:t>
-            </a:r>
-          </a:p>
-          <a:p>
-            <a:r>
-              <a:rPr lang="en-US" dirty="0"/>
-              <a:t> - Tourist’s residency</a:t>
-            </a:r>
           </a:p>
         </p:txBody>
       </p:sp>
@@ -4474,8 +4837,8 @@
         </p:nvSpPr>
         <p:spPr>
           <a:xfrm>
-            <a:off x="457199" y="1469290"/>
-            <a:ext cx="10915650" cy="1477328"/>
+            <a:off x="457199" y="1200328"/>
+            <a:ext cx="10915650" cy="5632311"/>
           </a:xfrm>
           <a:prstGeom prst="rect">
             <a:avLst/>
@@ -4492,13 +4855,95 @@
               <a:rPr lang="en-GB" dirty="0"/>
               <a:t>VisitScotland is the national tourism organisation for Scotland. Their main aim is to contribute significantly to the advancement of Scottish tourism by giving it a real presence in the global marketplace and benefiting the whole of Scotland.</a:t>
             </a:r>
+            <a:r>
+              <a:rPr lang="en-US" u="sng" dirty="0"/>
+              <a:t> </a:t>
+            </a:r>
+          </a:p>
+          <a:p>
+            <a:endParaRPr lang="en-US" u="sng" dirty="0"/>
+          </a:p>
+          <a:p>
+            <a:r>
+              <a:rPr lang="en-US" u="sng" dirty="0"/>
+              <a:t>Brief</a:t>
+            </a:r>
+          </a:p>
+          <a:p>
+            <a:r>
+              <a:rPr lang="en-US" dirty="0"/>
+              <a:t>Provide insights into Scottish Domestic Tourism for the following based on 2013 to 2019 Scot Gov data.</a:t>
+            </a:r>
+          </a:p>
+          <a:p>
+            <a:r>
+              <a:rPr lang="en-US" dirty="0"/>
+              <a:t>Day Visits based on:</a:t>
+            </a:r>
+          </a:p>
+          <a:p>
+            <a:r>
+              <a:rPr lang="en-US" dirty="0"/>
+              <a:t> - Activities</a:t>
+            </a:r>
+          </a:p>
+          <a:p>
+            <a:r>
+              <a:rPr lang="en-US" dirty="0"/>
+              <a:t> - Demographics</a:t>
+            </a:r>
+          </a:p>
+          <a:p>
+            <a:r>
+              <a:rPr lang="en-US" dirty="0"/>
+              <a:t> - Location Type</a:t>
+            </a:r>
+          </a:p>
+          <a:p>
+            <a:r>
+              <a:rPr lang="en-US" dirty="0"/>
+              <a:t> - Transportation</a:t>
+            </a:r>
+          </a:p>
+          <a:p>
+            <a:endParaRPr lang="en-US" dirty="0"/>
+          </a:p>
+          <a:p>
+            <a:r>
+              <a:rPr lang="en-US" dirty="0"/>
+              <a:t>Regional Tourism based on:</a:t>
+            </a:r>
+          </a:p>
+          <a:p>
+            <a:r>
+              <a:rPr lang="en-US" dirty="0"/>
+              <a:t> - Areas visited</a:t>
+            </a:r>
+          </a:p>
+          <a:p>
+            <a:r>
+              <a:rPr lang="en-US" dirty="0"/>
+              <a:t> - Tourist’s residency</a:t>
+            </a:r>
+          </a:p>
+          <a:p>
+            <a:endParaRPr lang="en-US" dirty="0"/>
           </a:p>
           <a:p>
             <a:r>
               <a:rPr lang="en-GB" dirty="0"/>
-              <a:t>They work closely with the tourism industry in Scotland, helping you to find the latest news and research, get personalised business advice and give visitors the best possible experience.</a:t>
+              <a:t>Data Source: The Scot gov statistics site</a:t>
             </a:r>
             <a:endParaRPr lang="en-US" dirty="0"/>
+          </a:p>
+          <a:p>
+            <a:endParaRPr lang="en-US" dirty="0"/>
+          </a:p>
+          <a:p>
+            <a:r>
+              <a:rPr lang="en-GB" dirty="0"/>
+              <a:t>Approach: Exploration of the past data to see how each category influenced the spend and visits and then investigate what common insights could be identified across the data sets.</a:t>
+            </a:r>
           </a:p>
         </p:txBody>
       </p:sp>
@@ -5129,7 +5574,7 @@
                     <a:lstStyle/>
                     <a:p>
                       <a:pPr algn="l" fontAlgn="b"/>
-                      <a:endParaRPr lang="en-GB" sz="1200" b="0" i="0" u="none" strike="noStrike">
+                      <a:endParaRPr lang="en-GB" sz="1200" b="0" i="0" u="none" strike="noStrike" dirty="0">
                         <a:solidFill>
                           <a:srgbClr val="000000"/>
                         </a:solidFill>
@@ -5159,7 +5604,7 @@
                     <a:lstStyle/>
                     <a:p>
                       <a:pPr algn="l" fontAlgn="b"/>
-                      <a:endParaRPr lang="en-GB" sz="1200" b="0" i="0" u="none" strike="noStrike">
+                      <a:endParaRPr lang="en-GB" sz="1200" b="0" i="0" u="none" strike="noStrike" dirty="0">
                         <a:solidFill>
                           <a:srgbClr val="000000"/>
                         </a:solidFill>
@@ -5197,7 +5642,7 @@
                     <a:p>
                       <a:pPr algn="l" fontAlgn="b"/>
                       <a:r>
-                        <a:rPr lang="en-GB" sz="1200" b="1" i="0" u="none" strike="noStrike">
+                        <a:rPr lang="en-GB" sz="1200" b="1" i="0" u="none" strike="noStrike" dirty="0">
                           <a:solidFill>
                             <a:srgbClr val="000000"/>
                           </a:solidFill>
@@ -5310,7 +5755,7 @@
                     <a:p>
                       <a:pPr algn="l" fontAlgn="b"/>
                       <a:r>
-                        <a:rPr lang="en-GB" sz="1100" b="1" i="0" u="none" strike="noStrike">
+                        <a:rPr lang="en-GB" sz="1100" b="1" i="0" u="none" strike="noStrike" dirty="0">
                           <a:solidFill>
                             <a:srgbClr val="000000"/>
                           </a:solidFill>
@@ -5431,7 +5876,7 @@
                     <a:p>
                       <a:pPr algn="l" fontAlgn="b"/>
                       <a:r>
-                        <a:rPr lang="en-GB" sz="1100" b="0" i="0" u="none" strike="noStrike">
+                        <a:rPr lang="en-GB" sz="1100" b="0" i="0" u="none" strike="noStrike" dirty="0">
                           <a:solidFill>
                             <a:srgbClr val="000000"/>
                           </a:solidFill>
@@ -5552,7 +5997,7 @@
                     <a:p>
                       <a:pPr algn="l" fontAlgn="b"/>
                       <a:r>
-                        <a:rPr lang="en-GB" sz="1100" b="0" i="0" u="none" strike="noStrike">
+                        <a:rPr lang="en-GB" sz="1100" b="0" i="0" u="none" strike="noStrike" dirty="0">
                           <a:solidFill>
                             <a:srgbClr val="000000"/>
                           </a:solidFill>
@@ -5673,7 +6118,7 @@
                     <a:p>
                       <a:pPr algn="l" fontAlgn="b"/>
                       <a:r>
-                        <a:rPr lang="en-GB" sz="1100" b="0" i="0" u="none" strike="noStrike">
+                        <a:rPr lang="en-GB" sz="1100" b="0" i="0" u="none" strike="noStrike" dirty="0">
                           <a:solidFill>
                             <a:srgbClr val="000000"/>
                           </a:solidFill>
@@ -5857,7 +6302,7 @@
                     <a:lstStyle/>
                     <a:p>
                       <a:pPr algn="l" fontAlgn="b"/>
-                      <a:endParaRPr lang="en-GB" sz="1200" b="0" i="0" u="none" strike="noStrike">
+                      <a:endParaRPr lang="en-GB" sz="1200" b="0" i="0" u="none" strike="noStrike" dirty="0">
                         <a:solidFill>
                           <a:srgbClr val="000000"/>
                         </a:solidFill>
@@ -6171,7 +6616,7 @@
                     <a:p>
                       <a:pPr algn="l" fontAlgn="b"/>
                       <a:r>
-                        <a:rPr lang="en-GB" sz="1100" b="0" i="0" u="none" strike="noStrike">
+                        <a:rPr lang="en-GB" sz="1100" b="0" i="0" u="none" strike="noStrike" dirty="0">
                           <a:solidFill>
                             <a:srgbClr val="000000"/>
                           </a:solidFill>
@@ -6292,7 +6737,7 @@
                     <a:p>
                       <a:pPr algn="l" fontAlgn="b"/>
                       <a:r>
-                        <a:rPr lang="en-GB" sz="1100" b="0" i="0" u="none" strike="noStrike">
+                        <a:rPr lang="en-GB" sz="1100" b="0" i="0" u="none" strike="noStrike" dirty="0">
                           <a:solidFill>
                             <a:srgbClr val="000000"/>
                           </a:solidFill>
@@ -6477,7 +6922,7 @@
                     <a:p>
                       <a:pPr algn="l" fontAlgn="b"/>
                       <a:r>
-                        <a:rPr lang="en-GB" sz="1100" b="0" i="0" u="none" strike="noStrike">
+                        <a:rPr lang="en-GB" sz="1100" b="0" i="0" u="none" strike="noStrike" dirty="0">
                           <a:solidFill>
                             <a:srgbClr val="000000"/>
                           </a:solidFill>
@@ -6598,7 +7043,7 @@
                     <a:p>
                       <a:pPr algn="l" fontAlgn="b"/>
                       <a:r>
-                        <a:rPr lang="en-GB" sz="1100" b="0" i="0" u="none" strike="noStrike">
+                        <a:rPr lang="en-GB" sz="1100" b="0" i="0" u="none" strike="noStrike" dirty="0">
                           <a:solidFill>
                             <a:srgbClr val="000000"/>
                           </a:solidFill>
@@ -7258,7 +7703,7 @@
                     <a:p>
                       <a:pPr algn="l" fontAlgn="b"/>
                       <a:r>
-                        <a:rPr lang="en-GB" sz="1100" b="1" i="0" u="none" strike="noStrike">
+                        <a:rPr lang="en-GB" sz="1100" b="1" i="0" u="none" strike="noStrike" dirty="0">
                           <a:solidFill>
                             <a:srgbClr val="000000"/>
                           </a:solidFill>
@@ -7315,7 +7760,7 @@
                     <a:p>
                       <a:pPr algn="l" fontAlgn="b"/>
                       <a:r>
-                        <a:rPr lang="en-GB" sz="1100" b="1" i="0" u="none" strike="noStrike">
+                        <a:rPr lang="en-GB" sz="1100" b="1" i="0" u="none" strike="noStrike" dirty="0">
                           <a:solidFill>
                             <a:srgbClr val="000000"/>
                           </a:solidFill>
@@ -7371,7 +7816,7 @@
                     <a:lstStyle/>
                     <a:p>
                       <a:pPr algn="ctr" fontAlgn="b"/>
-                      <a:endParaRPr lang="en-GB" sz="1100" b="1" i="0" u="none" strike="noStrike">
+                      <a:endParaRPr lang="en-GB" sz="1100" b="1" i="0" u="none" strike="noStrike" dirty="0">
                         <a:solidFill>
                           <a:srgbClr val="000000"/>
                         </a:solidFill>
@@ -7382,7 +7827,7 @@
                     <a:p>
                       <a:pPr algn="ctr" fontAlgn="b"/>
                       <a:r>
-                        <a:rPr lang="en-GB" sz="1100" b="1" i="0" u="none" strike="noStrike">
+                        <a:rPr lang="en-GB" sz="1100" b="1" i="0" u="none" strike="noStrike" dirty="0">
                           <a:solidFill>
                             <a:srgbClr val="000000"/>
                           </a:solidFill>
@@ -7446,7 +7891,7 @@
                     <a:p>
                       <a:pPr algn="l" fontAlgn="b"/>
                       <a:r>
-                        <a:rPr lang="en-GB" sz="1100" b="0" i="0" u="none" strike="noStrike">
+                        <a:rPr lang="en-GB" sz="1100" b="0" i="0" u="none" strike="noStrike" dirty="0">
                           <a:solidFill>
                             <a:srgbClr val="000000"/>
                           </a:solidFill>
@@ -7503,7 +7948,7 @@
                     <a:p>
                       <a:pPr algn="l" fontAlgn="b"/>
                       <a:r>
-                        <a:rPr lang="en-GB" sz="1100" b="0" i="0" u="none" strike="noStrike">
+                        <a:rPr lang="en-GB" sz="1100" b="0" i="0" u="none" strike="noStrike" dirty="0">
                           <a:solidFill>
                             <a:srgbClr val="000000"/>
                           </a:solidFill>
@@ -7560,7 +8005,7 @@
                     <a:p>
                       <a:pPr algn="l" fontAlgn="b"/>
                       <a:r>
-                        <a:rPr lang="en-GB" sz="1100" b="0" i="0" u="none" strike="noStrike">
+                        <a:rPr lang="en-GB" sz="1100" b="0" i="0" u="none" strike="noStrike" dirty="0">
                           <a:solidFill>
                             <a:srgbClr val="000000"/>
                           </a:solidFill>
@@ -7624,7 +8069,7 @@
                     <a:p>
                       <a:pPr algn="l" fontAlgn="b"/>
                       <a:r>
-                        <a:rPr lang="en-GB" sz="1100" b="0" i="0" u="none" strike="noStrike">
+                        <a:rPr lang="en-GB" sz="1100" b="0" i="0" u="none" strike="noStrike" dirty="0">
                           <a:solidFill>
                             <a:srgbClr val="000000"/>
                           </a:solidFill>
@@ -7681,7 +8126,7 @@
                     <a:p>
                       <a:pPr algn="l" fontAlgn="b"/>
                       <a:r>
-                        <a:rPr lang="en-GB" sz="1100" b="0" i="0" u="none" strike="noStrike">
+                        <a:rPr lang="en-GB" sz="1100" b="0" i="0" u="none" strike="noStrike" dirty="0">
                           <a:solidFill>
                             <a:srgbClr val="000000"/>
                           </a:solidFill>
@@ -7738,7 +8183,7 @@
                     <a:p>
                       <a:pPr algn="l" fontAlgn="b"/>
                       <a:r>
-                        <a:rPr lang="en-GB" sz="1100" b="0" i="0" u="none" strike="noStrike">
+                        <a:rPr lang="en-GB" sz="1100" b="0" i="0" u="none" strike="noStrike" dirty="0">
                           <a:solidFill>
                             <a:srgbClr val="000000"/>
                           </a:solidFill>
@@ -7802,7 +8247,7 @@
                     <a:p>
                       <a:pPr algn="l" fontAlgn="b"/>
                       <a:r>
-                        <a:rPr lang="en-GB" sz="1100" b="0" i="0" u="none" strike="noStrike">
+                        <a:rPr lang="en-GB" sz="1100" b="0" i="0" u="none" strike="noStrike" dirty="0">
                           <a:solidFill>
                             <a:srgbClr val="000000"/>
                           </a:solidFill>
@@ -7859,7 +8304,7 @@
                     <a:p>
                       <a:pPr algn="l" fontAlgn="b"/>
                       <a:r>
-                        <a:rPr lang="en-GB" sz="1100" b="0" i="0" u="none" strike="noStrike">
+                        <a:rPr lang="en-GB" sz="1100" b="0" i="0" u="none" strike="noStrike" dirty="0">
                           <a:solidFill>
                             <a:srgbClr val="000000"/>
                           </a:solidFill>
@@ -7916,7 +8361,7 @@
                     <a:p>
                       <a:pPr algn="l" fontAlgn="b"/>
                       <a:r>
-                        <a:rPr lang="en-GB" sz="1100" b="0" i="0" u="none" strike="noStrike">
+                        <a:rPr lang="en-GB" sz="1100" b="0" i="0" u="none" strike="noStrike" dirty="0">
                           <a:solidFill>
                             <a:srgbClr val="000000"/>
                           </a:solidFill>
@@ -7980,7 +8425,7 @@
                     <a:p>
                       <a:pPr algn="l" fontAlgn="b"/>
                       <a:r>
-                        <a:rPr lang="en-GB" sz="1100" b="0" i="0" u="none" strike="noStrike">
+                        <a:rPr lang="en-GB" sz="1100" b="0" i="0" u="none" strike="noStrike" dirty="0">
                           <a:solidFill>
                             <a:srgbClr val="000000"/>
                           </a:solidFill>
@@ -8037,7 +8482,7 @@
                     <a:p>
                       <a:pPr algn="l" fontAlgn="b"/>
                       <a:r>
-                        <a:rPr lang="en-GB" sz="1100" b="0" i="0" u="none" strike="noStrike">
+                        <a:rPr lang="en-GB" sz="1100" b="0" i="0" u="none" strike="noStrike" dirty="0">
                           <a:solidFill>
                             <a:srgbClr val="000000"/>
                           </a:solidFill>
@@ -8094,7 +8539,7 @@
                     <a:p>
                       <a:pPr algn="l" fontAlgn="b"/>
                       <a:r>
-                        <a:rPr lang="en-GB" sz="1100" b="0" i="0" u="none" strike="noStrike">
+                        <a:rPr lang="en-GB" sz="1100" b="0" i="0" u="none" strike="noStrike" dirty="0">
                           <a:solidFill>
                             <a:srgbClr val="000000"/>
                           </a:solidFill>
@@ -8158,7 +8603,7 @@
                     <a:p>
                       <a:pPr algn="l" fontAlgn="b"/>
                       <a:r>
-                        <a:rPr lang="en-GB" sz="1100" b="0" i="0" u="none" strike="noStrike">
+                        <a:rPr lang="en-GB" sz="1100" b="0" i="0" u="none" strike="noStrike" dirty="0">
                           <a:solidFill>
                             <a:srgbClr val="000000"/>
                           </a:solidFill>
@@ -8215,7 +8660,7 @@
                     <a:p>
                       <a:pPr algn="l" fontAlgn="b"/>
                       <a:r>
-                        <a:rPr lang="en-GB" sz="1100" b="0" i="0" u="none" strike="noStrike">
+                        <a:rPr lang="en-GB" sz="1100" b="0" i="0" u="none" strike="noStrike" dirty="0">
                           <a:solidFill>
                             <a:srgbClr val="000000"/>
                           </a:solidFill>
@@ -8272,7 +8717,7 @@
                     <a:p>
                       <a:pPr algn="l" fontAlgn="b"/>
                       <a:r>
-                        <a:rPr lang="en-GB" sz="1100" b="0" i="0" u="none" strike="noStrike">
+                        <a:rPr lang="en-GB" sz="1100" b="0" i="0" u="none" strike="noStrike" dirty="0">
                           <a:solidFill>
                             <a:srgbClr val="000000"/>
                           </a:solidFill>
@@ -8336,7 +8781,7 @@
                     <a:p>
                       <a:pPr algn="l" fontAlgn="b"/>
                       <a:r>
-                        <a:rPr lang="en-GB" sz="1100" b="0" i="0" u="none" strike="noStrike">
+                        <a:rPr lang="en-GB" sz="1100" b="0" i="0" u="none" strike="noStrike" dirty="0">
                           <a:solidFill>
                             <a:srgbClr val="000000"/>
                           </a:solidFill>
@@ -8393,7 +8838,7 @@
                     <a:p>
                       <a:pPr algn="l" fontAlgn="b"/>
                       <a:r>
-                        <a:rPr lang="en-GB" sz="1100" b="0" i="0" u="none" strike="noStrike">
+                        <a:rPr lang="en-GB" sz="1100" b="0" i="0" u="none" strike="noStrike" dirty="0">
                           <a:solidFill>
                             <a:srgbClr val="000000"/>
                           </a:solidFill>
@@ -8450,7 +8895,7 @@
                     <a:p>
                       <a:pPr algn="l" fontAlgn="b"/>
                       <a:r>
-                        <a:rPr lang="en-GB" sz="1100" b="0" i="0" u="none" strike="noStrike">
+                        <a:rPr lang="en-GB" sz="1100" b="0" i="0" u="none" strike="noStrike" dirty="0">
                           <a:solidFill>
                             <a:srgbClr val="000000"/>
                           </a:solidFill>
@@ -8514,7 +8959,7 @@
                     <a:p>
                       <a:pPr algn="l" fontAlgn="b"/>
                       <a:r>
-                        <a:rPr lang="en-GB" sz="1100" b="0" i="0" u="none" strike="noStrike">
+                        <a:rPr lang="en-GB" sz="1100" b="0" i="0" u="none" strike="noStrike" dirty="0">
                           <a:solidFill>
                             <a:srgbClr val="000000"/>
                           </a:solidFill>
@@ -8571,7 +9016,7 @@
                     <a:p>
                       <a:pPr algn="l" fontAlgn="b"/>
                       <a:r>
-                        <a:rPr lang="en-GB" sz="1100" b="0" i="0" u="none" strike="noStrike">
+                        <a:rPr lang="en-GB" sz="1100" b="0" i="0" u="none" strike="noStrike" dirty="0">
                           <a:solidFill>
                             <a:srgbClr val="000000"/>
                           </a:solidFill>
@@ -8628,7 +9073,7 @@
                     <a:p>
                       <a:pPr algn="l" fontAlgn="b"/>
                       <a:r>
-                        <a:rPr lang="en-GB" sz="1100" b="0" i="0" u="none" strike="noStrike">
+                        <a:rPr lang="en-GB" sz="1100" b="0" i="0" u="none" strike="noStrike" dirty="0">
                           <a:solidFill>
                             <a:srgbClr val="000000"/>
                           </a:solidFill>
@@ -8692,7 +9137,7 @@
                     <a:p>
                       <a:pPr algn="l" fontAlgn="b"/>
                       <a:r>
-                        <a:rPr lang="en-GB" sz="1100" b="0" i="0" u="none" strike="noStrike">
+                        <a:rPr lang="en-GB" sz="1100" b="0" i="0" u="none" strike="noStrike" dirty="0">
                           <a:solidFill>
                             <a:srgbClr val="000000"/>
                           </a:solidFill>
@@ -8749,7 +9194,7 @@
                     <a:p>
                       <a:pPr algn="l" fontAlgn="b"/>
                       <a:r>
-                        <a:rPr lang="en-GB" sz="1100" b="0" i="0" u="none" strike="noStrike">
+                        <a:rPr lang="en-GB" sz="1100" b="0" i="0" u="none" strike="noStrike" dirty="0">
                           <a:solidFill>
                             <a:srgbClr val="000000"/>
                           </a:solidFill>
@@ -9403,7 +9848,7 @@
                     <a:p>
                       <a:pPr algn="l" fontAlgn="b"/>
                       <a:r>
-                        <a:rPr lang="en-GB" sz="1100" b="0" i="0" u="none" strike="noStrike">
+                        <a:rPr lang="en-GB" sz="1100" b="0" i="0" u="none" strike="noStrike" dirty="0">
                           <a:solidFill>
                             <a:srgbClr val="000000"/>
                           </a:solidFill>
@@ -9460,7 +9905,7 @@
                     <a:p>
                       <a:pPr algn="l" fontAlgn="b"/>
                       <a:r>
-                        <a:rPr lang="en-GB" sz="1100" b="0" i="0" u="none" strike="noStrike">
+                        <a:rPr lang="en-GB" sz="1100" b="0" i="0" u="none" strike="noStrike" dirty="0">
                           <a:solidFill>
                             <a:srgbClr val="000000"/>
                           </a:solidFill>
@@ -9581,7 +10026,7 @@
                     <a:p>
                       <a:pPr algn="l" fontAlgn="b"/>
                       <a:r>
-                        <a:rPr lang="en-GB" sz="1100" b="0" i="0" u="none" strike="noStrike">
+                        <a:rPr lang="en-GB" sz="1100" b="0" i="0" u="none" strike="noStrike" dirty="0">
                           <a:solidFill>
                             <a:srgbClr val="000000"/>
                           </a:solidFill>
@@ -9638,7 +10083,7 @@
                     <a:p>
                       <a:pPr algn="l" fontAlgn="b"/>
                       <a:r>
-                        <a:rPr lang="en-GB" sz="1100" b="0" i="0" u="none" strike="noStrike">
+                        <a:rPr lang="en-GB" sz="1100" b="0" i="0" u="none" strike="noStrike" dirty="0">
                           <a:solidFill>
                             <a:srgbClr val="000000"/>
                           </a:solidFill>
@@ -9816,7 +10261,7 @@
                     <a:p>
                       <a:pPr algn="l" fontAlgn="b"/>
                       <a:r>
-                        <a:rPr lang="en-GB" sz="1100" b="0" i="0" u="none" strike="noStrike">
+                        <a:rPr lang="en-GB" sz="1100" b="0" i="0" u="none" strike="noStrike" dirty="0">
                           <a:solidFill>
                             <a:srgbClr val="000000"/>
                           </a:solidFill>
@@ -9880,7 +10325,7 @@
                     <a:p>
                       <a:pPr algn="l" fontAlgn="b"/>
                       <a:r>
-                        <a:rPr lang="en-GB" sz="1100" b="0" i="0" u="none" strike="noStrike">
+                        <a:rPr lang="en-GB" sz="1100" b="0" i="0" u="none" strike="noStrike" dirty="0">
                           <a:solidFill>
                             <a:srgbClr val="000000"/>
                           </a:solidFill>
@@ -9994,7 +10439,7 @@
                     <a:p>
                       <a:pPr algn="l" fontAlgn="b"/>
                       <a:r>
-                        <a:rPr lang="en-GB" sz="1100" b="0" i="0" u="none" strike="noStrike">
+                        <a:rPr lang="en-GB" sz="1100" b="0" i="0" u="none" strike="noStrike" dirty="0">
                           <a:solidFill>
                             <a:srgbClr val="000000"/>
                           </a:solidFill>
@@ -10058,7 +10503,7 @@
                     <a:p>
                       <a:pPr algn="l" fontAlgn="b"/>
                       <a:r>
-                        <a:rPr lang="en-GB" sz="1100" b="0" i="0" u="none" strike="noStrike">
+                        <a:rPr lang="en-GB" sz="1100" b="0" i="0" u="none" strike="noStrike" dirty="0">
                           <a:solidFill>
                             <a:srgbClr val="000000"/>
                           </a:solidFill>
@@ -10172,7 +10617,7 @@
                     <a:p>
                       <a:pPr algn="l" fontAlgn="b"/>
                       <a:r>
-                        <a:rPr lang="en-GB" sz="1100" b="0" i="0" u="none" strike="noStrike">
+                        <a:rPr lang="en-GB" sz="1100" b="0" i="0" u="none" strike="noStrike" dirty="0">
                           <a:solidFill>
                             <a:srgbClr val="000000"/>
                           </a:solidFill>
@@ -10236,7 +10681,7 @@
                     <a:p>
                       <a:pPr algn="l" fontAlgn="b"/>
                       <a:r>
-                        <a:rPr lang="en-GB" sz="1100" b="0" i="0" u="none" strike="noStrike">
+                        <a:rPr lang="en-GB" sz="1100" b="0" i="0" u="none" strike="noStrike" dirty="0">
                           <a:solidFill>
                             <a:srgbClr val="000000"/>
                           </a:solidFill>
@@ -10350,7 +10795,7 @@
                     <a:p>
                       <a:pPr algn="l" fontAlgn="b"/>
                       <a:r>
-                        <a:rPr lang="en-GB" sz="1100" b="0" i="0" u="none" strike="noStrike">
+                        <a:rPr lang="en-GB" sz="1100" b="0" i="0" u="none" strike="noStrike" dirty="0">
                           <a:solidFill>
                             <a:srgbClr val="000000"/>
                           </a:solidFill>
@@ -10414,7 +10859,7 @@
                     <a:p>
                       <a:pPr algn="l" fontAlgn="b"/>
                       <a:r>
-                        <a:rPr lang="en-GB" sz="1100" b="0" i="0" u="none" strike="noStrike">
+                        <a:rPr lang="en-GB" sz="1100" b="0" i="0" u="none" strike="noStrike" dirty="0">
                           <a:solidFill>
                             <a:srgbClr val="000000"/>
                           </a:solidFill>
@@ -10592,7 +11037,7 @@
                     <a:p>
                       <a:pPr algn="l" fontAlgn="b"/>
                       <a:r>
-                        <a:rPr lang="en-GB" sz="1100" b="0" i="0" u="none" strike="noStrike">
+                        <a:rPr lang="en-GB" sz="1100" b="0" i="0" u="none" strike="noStrike" dirty="0">
                           <a:solidFill>
                             <a:srgbClr val="000000"/>
                           </a:solidFill>
@@ -10649,7 +11094,7 @@
                     <a:p>
                       <a:pPr algn="l" fontAlgn="b"/>
                       <a:r>
-                        <a:rPr lang="en-GB" sz="1100" b="0" i="0" u="none" strike="noStrike">
+                        <a:rPr lang="en-GB" sz="1100" b="0" i="0" u="none" strike="noStrike" dirty="0">
                           <a:solidFill>
                             <a:srgbClr val="000000"/>
                           </a:solidFill>

--- a/Visit Scotland Presentation.pptx
+++ b/Visit Scotland Presentation.pptx
@@ -5,7 +5,7 @@
     <p:sldMasterId id="2147483672" r:id="rId1"/>
   </p:sldMasterIdLst>
   <p:notesMasterIdLst>
-    <p:notesMasterId r:id="rId16"/>
+    <p:notesMasterId r:id="rId17"/>
   </p:notesMasterIdLst>
   <p:sldIdLst>
     <p:sldId id="256" r:id="rId2"/>
@@ -22,6 +22,7 @@
     <p:sldId id="266" r:id="rId13"/>
     <p:sldId id="267" r:id="rId14"/>
     <p:sldId id="269" r:id="rId15"/>
+    <p:sldId id="270" r:id="rId16"/>
   </p:sldIdLst>
   <p:sldSz cx="12192000" cy="6858000"/>
   <p:notesSz cx="6858000" cy="9144000"/>
@@ -4727,6 +4728,249 @@
 </p:sld>
 </file>
 
+<file path=ppt/slides/slide15.xml><?xml version="1.0" encoding="utf-8"?>
+<p:sld xmlns:a="http://schemas.openxmlformats.org/drawingml/2006/main" xmlns:r="http://schemas.openxmlformats.org/officeDocument/2006/relationships" xmlns:p="http://schemas.openxmlformats.org/presentationml/2006/main">
+  <p:cSld>
+    <p:spTree>
+      <p:nvGrpSpPr>
+        <p:cNvPr id="1" name=""/>
+        <p:cNvGrpSpPr/>
+        <p:nvPr/>
+      </p:nvGrpSpPr>
+      <p:grpSpPr>
+        <a:xfrm>
+          <a:off x="0" y="0"/>
+          <a:ext cx="0" cy="0"/>
+          <a:chOff x="0" y="0"/>
+          <a:chExt cx="0" cy="0"/>
+        </a:xfrm>
+      </p:grpSpPr>
+      <p:sp>
+        <p:nvSpPr>
+          <p:cNvPr id="4" name="Title 1">
+            <a:extLst>
+              <a:ext uri="{FF2B5EF4-FFF2-40B4-BE49-F238E27FC236}">
+                <a16:creationId xmlns:a16="http://schemas.microsoft.com/office/drawing/2014/main" id="{01CAB60A-D123-234C-A5EA-D4A19AC8967A}"/>
+              </a:ext>
+            </a:extLst>
+          </p:cNvPr>
+          <p:cNvSpPr txBox="1">
+            <a:spLocks/>
+          </p:cNvSpPr>
+          <p:nvPr/>
+        </p:nvSpPr>
+        <p:spPr>
+          <a:xfrm>
+            <a:off x="0" y="0"/>
+            <a:ext cx="12192000" cy="1200329"/>
+          </a:xfrm>
+          <a:prstGeom prst="rect">
+            <a:avLst/>
+          </a:prstGeom>
+          <a:solidFill>
+            <a:srgbClr val="002060"/>
+          </a:solidFill>
+        </p:spPr>
+        <p:txBody>
+          <a:bodyPr vert="horz" lIns="91440" tIns="45720" rIns="91440" bIns="45720" rtlCol="0" anchor="ctr">
+            <a:normAutofit fontScale="97500"/>
+          </a:bodyPr>
+          <a:lstStyle>
+            <a:lvl1pPr algn="l" defTabSz="914400" rtl="0" eaLnBrk="1" latinLnBrk="0" hangingPunct="1">
+              <a:lnSpc>
+                <a:spcPct val="90000"/>
+              </a:lnSpc>
+              <a:spcBef>
+                <a:spcPct val="0"/>
+              </a:spcBef>
+              <a:buNone/>
+              <a:defRPr sz="4400" kern="1200">
+                <a:solidFill>
+                  <a:schemeClr val="tx1"/>
+                </a:solidFill>
+                <a:latin typeface="+mj-lt"/>
+                <a:ea typeface="+mj-ea"/>
+                <a:cs typeface="+mj-cs"/>
+              </a:defRPr>
+            </a:lvl1pPr>
+          </a:lstStyle>
+          <a:p>
+            <a:r>
+              <a:rPr lang="en-GB" sz="3200" dirty="0">
+                <a:solidFill>
+                  <a:schemeClr val="bg1"/>
+                </a:solidFill>
+              </a:rPr>
+              <a:t>Key Insights and further analysis	</a:t>
+            </a:r>
+          </a:p>
+        </p:txBody>
+      </p:sp>
+      <p:sp>
+        <p:nvSpPr>
+          <p:cNvPr id="2" name="TextBox 1">
+            <a:extLst>
+              <a:ext uri="{FF2B5EF4-FFF2-40B4-BE49-F238E27FC236}">
+                <a16:creationId xmlns:a16="http://schemas.microsoft.com/office/drawing/2014/main" id="{F088F5FF-A4BA-C545-B49A-F60401F42772}"/>
+              </a:ext>
+            </a:extLst>
+          </p:cNvPr>
+          <p:cNvSpPr txBox="1"/>
+          <p:nvPr/>
+        </p:nvSpPr>
+        <p:spPr>
+          <a:xfrm>
+            <a:off x="288099" y="1200329"/>
+            <a:ext cx="10797435" cy="5847755"/>
+          </a:xfrm>
+          <a:prstGeom prst="rect">
+            <a:avLst/>
+          </a:prstGeom>
+          <a:noFill/>
+        </p:spPr>
+        <p:txBody>
+          <a:bodyPr wrap="square" rtlCol="0">
+            <a:spAutoFit/>
+          </a:bodyPr>
+          <a:lstStyle/>
+          <a:p>
+            <a:r>
+              <a:rPr lang="en-US" b="1" dirty="0"/>
+              <a:t>Areas visited and Transport:</a:t>
+            </a:r>
+          </a:p>
+          <a:p>
+            <a:pPr marL="285750" indent="-285750">
+              <a:buFont typeface="Wingdings" pitchFamily="2" charset="2"/>
+              <a:buChar char="Ø"/>
+            </a:pPr>
+            <a:r>
+              <a:rPr lang="en-US" dirty="0"/>
+              <a:t>For both day visits and regional tourism, the most popular destinations were Scottish cities.</a:t>
+            </a:r>
+          </a:p>
+          <a:p>
+            <a:pPr marL="285750" indent="-285750">
+              <a:buFont typeface="Wingdings" pitchFamily="2" charset="2"/>
+              <a:buChar char="Ø"/>
+            </a:pPr>
+            <a:r>
+              <a:rPr lang="en-US" dirty="0"/>
+              <a:t>People with access to cars and spending significantly more than those without a car on day visits and 60% of all visitors are arriving by car.</a:t>
+            </a:r>
+          </a:p>
+          <a:p>
+            <a:pPr marL="285750" indent="-285750">
+              <a:buFont typeface="Wingdings" pitchFamily="2" charset="2"/>
+              <a:buChar char="Ø"/>
+            </a:pPr>
+            <a:r>
+              <a:rPr lang="en-US" dirty="0"/>
+              <a:t>Questions: What improvements need to me made to the public transport system in Scotland?</a:t>
+            </a:r>
+          </a:p>
+          <a:p>
+            <a:r>
+              <a:rPr lang="en-US" dirty="0"/>
+              <a:t>		        What can be done to roads/transport system to improve accessibility to rural parts of Scotland?</a:t>
+            </a:r>
+          </a:p>
+          <a:p>
+            <a:endParaRPr lang="en-US" dirty="0"/>
+          </a:p>
+          <a:p>
+            <a:r>
+              <a:rPr lang="en-US" b="1" dirty="0"/>
+              <a:t>Activities:</a:t>
+            </a:r>
+          </a:p>
+          <a:p>
+            <a:pPr marL="285750" indent="-285750">
+              <a:buFont typeface="Wingdings" pitchFamily="2" charset="2"/>
+              <a:buChar char="Ø"/>
+            </a:pPr>
+            <a:r>
+              <a:rPr lang="en-US" dirty="0"/>
+              <a:t>Meals and nights out are at the top of income generating activities. Therefore, it is important to get the hospitality sector back up and running as quickly as possible after covid.</a:t>
+            </a:r>
+          </a:p>
+          <a:p>
+            <a:pPr marL="285750" indent="-285750">
+              <a:buFont typeface="Wingdings" pitchFamily="2" charset="2"/>
+              <a:buChar char="Ø"/>
+            </a:pPr>
+            <a:endParaRPr lang="en-US" dirty="0"/>
+          </a:p>
+          <a:p>
+            <a:r>
+              <a:rPr lang="en-US" b="1" dirty="0"/>
+              <a:t>Regional Tourists:</a:t>
+            </a:r>
+          </a:p>
+          <a:p>
+            <a:pPr marL="285750" indent="-285750">
+              <a:buFont typeface="Wingdings" pitchFamily="2" charset="2"/>
+              <a:buChar char="Ø"/>
+            </a:pPr>
+            <a:r>
+              <a:rPr lang="en-US" dirty="0"/>
+              <a:t>Domestic tourism relies heavily on tourists from England. Efforts need to be made to maintain and increase the level of visitors from England. This will be important as international travel is opening up again and people are looking at booking foreign holidays.</a:t>
+            </a:r>
+          </a:p>
+          <a:p>
+            <a:pPr marL="285750" indent="-285750">
+              <a:buFont typeface="Wingdings" pitchFamily="2" charset="2"/>
+              <a:buChar char="Ø"/>
+            </a:pPr>
+            <a:endParaRPr lang="en-US" dirty="0"/>
+          </a:p>
+          <a:p>
+            <a:r>
+              <a:rPr lang="en-GB" b="1" dirty="0"/>
+              <a:t>Challenges and further analysis:</a:t>
+            </a:r>
+            <a:endParaRPr lang="en-US" b="1" dirty="0"/>
+          </a:p>
+          <a:p>
+            <a:pPr marL="285750" indent="-285750">
+              <a:buFont typeface="Wingdings" pitchFamily="2" charset="2"/>
+              <a:buChar char="Ø"/>
+            </a:pPr>
+            <a:r>
+              <a:rPr lang="en-US" dirty="0"/>
+              <a:t>Data only available up to 2019, therefore impacts of Covid on tourism haven’t been considered.</a:t>
+            </a:r>
+          </a:p>
+          <a:p>
+            <a:pPr marL="285750" indent="-285750">
+              <a:buFont typeface="Wingdings" pitchFamily="2" charset="2"/>
+              <a:buChar char="Ø"/>
+            </a:pPr>
+            <a:r>
+              <a:rPr lang="en-US" dirty="0"/>
+              <a:t>Data on day visits only available in years and for regional tourism in 3-year blocks therefore additional breakdown would be needed to investigate the regional trends and the seasonality of </a:t>
+            </a:r>
+            <a:r>
+              <a:rPr lang="en-US"/>
+              <a:t>the tourism.</a:t>
+            </a:r>
+            <a:endParaRPr lang="en-US" dirty="0"/>
+          </a:p>
+        </p:txBody>
+      </p:sp>
+    </p:spTree>
+    <p:extLst>
+      <p:ext uri="{BB962C8B-B14F-4D97-AF65-F5344CB8AC3E}">
+        <p14:creationId xmlns:p14="http://schemas.microsoft.com/office/powerpoint/2010/main" val="3480089446"/>
+      </p:ext>
+    </p:extLst>
+  </p:cSld>
+  <p:clrMapOvr>
+    <a:masterClrMapping/>
+  </p:clrMapOvr>
+</p:sld>
+</file>
+
 <file path=ppt/slides/slide2.xml><?xml version="1.0" encoding="utf-8"?>
 <p:sld xmlns:a="http://schemas.openxmlformats.org/drawingml/2006/main" xmlns:r="http://schemas.openxmlformats.org/officeDocument/2006/relationships" xmlns:p="http://schemas.openxmlformats.org/presentationml/2006/main">
   <p:cSld>
@@ -4788,38 +5032,6 @@
                 <a:schemeClr val="bg1"/>
               </a:solidFill>
             </a:endParaRPr>
-          </a:p>
-        </p:txBody>
-      </p:sp>
-      <p:sp>
-        <p:nvSpPr>
-          <p:cNvPr id="5" name="TextBox 4">
-            <a:extLst>
-              <a:ext uri="{FF2B5EF4-FFF2-40B4-BE49-F238E27FC236}">
-                <a16:creationId xmlns:a16="http://schemas.microsoft.com/office/drawing/2014/main" id="{530191CF-7E88-8E4E-A1CF-5C589C23DB03}"/>
-              </a:ext>
-            </a:extLst>
-          </p:cNvPr>
-          <p:cNvSpPr txBox="1"/>
-          <p:nvPr/>
-        </p:nvSpPr>
-        <p:spPr>
-          <a:xfrm>
-            <a:off x="457199" y="2123658"/>
-            <a:ext cx="10344150" cy="369332"/>
-          </a:xfrm>
-          <a:prstGeom prst="rect">
-            <a:avLst/>
-          </a:prstGeom>
-          <a:noFill/>
-        </p:spPr>
-        <p:txBody>
-          <a:bodyPr wrap="square" rtlCol="0">
-            <a:spAutoFit/>
-          </a:bodyPr>
-          <a:lstStyle/>
-          <a:p>
-            <a:endParaRPr lang="en-US" dirty="0"/>
           </a:p>
         </p:txBody>
       </p:sp>

--- a/Visit Scotland Presentation.pptx
+++ b/Visit Scotland Presentation.pptx
@@ -5,7 +5,7 @@
     <p:sldMasterId id="2147483672" r:id="rId1"/>
   </p:sldMasterIdLst>
   <p:notesMasterIdLst>
-    <p:notesMasterId r:id="rId17"/>
+    <p:notesMasterId r:id="rId18"/>
   </p:notesMasterIdLst>
   <p:sldIdLst>
     <p:sldId id="256" r:id="rId2"/>
@@ -23,6 +23,7 @@
     <p:sldId id="267" r:id="rId14"/>
     <p:sldId id="269" r:id="rId15"/>
     <p:sldId id="270" r:id="rId16"/>
+    <p:sldId id="271" r:id="rId17"/>
   </p:sldIdLst>
   <p:sldSz cx="12192000" cy="6858000"/>
   <p:notesSz cx="6858000" cy="9144000"/>
@@ -477,6 +478,90 @@
     </a:lvl9pPr>
   </p:notesStyle>
 </p:notesMaster>
+</file>
+
+<file path=ppt/notesSlides/notesSlide1.xml><?xml version="1.0" encoding="utf-8"?>
+<p:notes xmlns:a="http://schemas.openxmlformats.org/drawingml/2006/main" xmlns:r="http://schemas.openxmlformats.org/officeDocument/2006/relationships" xmlns:p="http://schemas.openxmlformats.org/presentationml/2006/main">
+  <p:cSld>
+    <p:spTree>
+      <p:nvGrpSpPr>
+        <p:cNvPr id="1" name=""/>
+        <p:cNvGrpSpPr/>
+        <p:nvPr/>
+      </p:nvGrpSpPr>
+      <p:grpSpPr>
+        <a:xfrm>
+          <a:off x="0" y="0"/>
+          <a:ext cx="0" cy="0"/>
+          <a:chOff x="0" y="0"/>
+          <a:chExt cx="0" cy="0"/>
+        </a:xfrm>
+      </p:grpSpPr>
+      <p:sp>
+        <p:nvSpPr>
+          <p:cNvPr id="2" name="Slide Image Placeholder 1"/>
+          <p:cNvSpPr>
+            <a:spLocks noGrp="1" noRot="1" noChangeAspect="1"/>
+          </p:cNvSpPr>
+          <p:nvPr>
+            <p:ph type="sldImg"/>
+          </p:nvPr>
+        </p:nvSpPr>
+        <p:spPr/>
+      </p:sp>
+      <p:sp>
+        <p:nvSpPr>
+          <p:cNvPr id="3" name="Notes Placeholder 2"/>
+          <p:cNvSpPr>
+            <a:spLocks noGrp="1"/>
+          </p:cNvSpPr>
+          <p:nvPr>
+            <p:ph type="body" idx="1"/>
+          </p:nvPr>
+        </p:nvSpPr>
+        <p:spPr/>
+        <p:txBody>
+          <a:bodyPr/>
+          <a:lstStyle/>
+          <a:p>
+            <a:endParaRPr lang="en-US" dirty="0"/>
+          </a:p>
+        </p:txBody>
+      </p:sp>
+      <p:sp>
+        <p:nvSpPr>
+          <p:cNvPr id="4" name="Slide Number Placeholder 3"/>
+          <p:cNvSpPr>
+            <a:spLocks noGrp="1"/>
+          </p:cNvSpPr>
+          <p:nvPr>
+            <p:ph type="sldNum" sz="quarter" idx="5"/>
+          </p:nvPr>
+        </p:nvSpPr>
+        <p:spPr/>
+        <p:txBody>
+          <a:bodyPr/>
+          <a:lstStyle/>
+          <a:p>
+            <a:fld id="{CADB5DD0-B79C-C34D-8B53-E0C81388C808}" type="slidenum">
+              <a:rPr lang="en-US" smtClean="0"/>
+              <a:t>16</a:t>
+            </a:fld>
+            <a:endParaRPr lang="en-US" dirty="0"/>
+          </a:p>
+        </p:txBody>
+      </p:sp>
+    </p:spTree>
+    <p:extLst>
+      <p:ext uri="{BB962C8B-B14F-4D97-AF65-F5344CB8AC3E}">
+        <p14:creationId xmlns:p14="http://schemas.microsoft.com/office/powerpoint/2010/main" val="199311886"/>
+      </p:ext>
+    </p:extLst>
+  </p:cSld>
+  <p:clrMapOvr>
+    <a:masterClrMapping/>
+  </p:clrMapOvr>
+</p:notes>
 </file>
 
 <file path=ppt/slideLayouts/slideLayout1.xml><?xml version="1.0" encoding="utf-8"?>
@@ -4340,7 +4425,7 @@
         <p:spPr>
           <a:xfrm>
             <a:off x="0" y="0"/>
-            <a:ext cx="12192000" cy="1200329"/>
+            <a:ext cx="12204526" cy="1200329"/>
           </a:xfrm>
           <a:prstGeom prst="rect">
             <a:avLst/>
@@ -4420,7 +4505,7 @@
           <a:p>
             <a:r>
               <a:rPr lang="en-US" dirty="0"/>
-              <a:t> - based on demographics of visitors from 2013 to 2019</a:t>
+              <a:t> - based on demographics data of visitors from 2013 to 2019</a:t>
             </a:r>
           </a:p>
           <a:p>
@@ -4948,13 +5033,8 @@
             </a:pPr>
             <a:r>
               <a:rPr lang="en-US" dirty="0"/>
-              <a:t>Data on day visits only available in years and for regional tourism in 3-year blocks therefore additional breakdown would be needed to investigate the regional trends and the seasonality of </a:t>
-            </a:r>
-            <a:r>
-              <a:rPr lang="en-US"/>
-              <a:t>the tourism.</a:t>
-            </a:r>
-            <a:endParaRPr lang="en-US" dirty="0"/>
+              <a:t>Data on day visits only available in years and for regional tourism in 3-year blocks therefore additional breakdown would be needed to investigate the regional trends and the seasonality of the tourism.</a:t>
+            </a:r>
           </a:p>
         </p:txBody>
       </p:sp>
@@ -4962,6 +5042,81 @@
     <p:extLst>
       <p:ext uri="{BB962C8B-B14F-4D97-AF65-F5344CB8AC3E}">
         <p14:creationId xmlns:p14="http://schemas.microsoft.com/office/powerpoint/2010/main" val="3480089446"/>
+      </p:ext>
+    </p:extLst>
+  </p:cSld>
+  <p:clrMapOvr>
+    <a:masterClrMapping/>
+  </p:clrMapOvr>
+</p:sld>
+</file>
+
+<file path=ppt/slides/slide16.xml><?xml version="1.0" encoding="utf-8"?>
+<p:sld xmlns:a="http://schemas.openxmlformats.org/drawingml/2006/main" xmlns:r="http://schemas.openxmlformats.org/officeDocument/2006/relationships" xmlns:p="http://schemas.openxmlformats.org/presentationml/2006/main">
+  <p:cSld>
+    <p:spTree>
+      <p:nvGrpSpPr>
+        <p:cNvPr id="1" name=""/>
+        <p:cNvGrpSpPr/>
+        <p:nvPr/>
+      </p:nvGrpSpPr>
+      <p:grpSpPr>
+        <a:xfrm>
+          <a:off x="0" y="0"/>
+          <a:ext cx="0" cy="0"/>
+          <a:chOff x="0" y="0"/>
+          <a:chExt cx="0" cy="0"/>
+        </a:xfrm>
+      </p:grpSpPr>
+      <p:pic>
+        <p:nvPicPr>
+          <p:cNvPr id="21508" name="Picture 4" descr="Quiz Background Blue High Res Stock Images | Shutterstock">
+            <a:extLst>
+              <a:ext uri="{FF2B5EF4-FFF2-40B4-BE49-F238E27FC236}">
+                <a16:creationId xmlns:a16="http://schemas.microsoft.com/office/drawing/2014/main" id="{EA84BE36-BF9E-C341-85F5-3F57DE076FA2}"/>
+              </a:ext>
+            </a:extLst>
+          </p:cNvPr>
+          <p:cNvPicPr>
+            <a:picLocks noChangeAspect="1" noChangeArrowheads="1"/>
+          </p:cNvPicPr>
+          <p:nvPr/>
+        </p:nvPicPr>
+        <p:blipFill rotWithShape="1">
+          <a:blip r:embed="rId3">
+            <a:extLst>
+              <a:ext uri="{28A0092B-C50C-407E-A947-70E740481C1C}">
+                <a14:useLocalDpi xmlns:a14="http://schemas.microsoft.com/office/drawing/2010/main" val="0"/>
+              </a:ext>
+            </a:extLst>
+          </a:blip>
+          <a:srcRect t="5542" b="8463"/>
+          <a:stretch/>
+        </p:blipFill>
+        <p:spPr bwMode="auto">
+          <a:xfrm>
+            <a:off x="0" y="0"/>
+            <a:ext cx="12192000" cy="6858000"/>
+          </a:xfrm>
+          <a:prstGeom prst="rect">
+            <a:avLst/>
+          </a:prstGeom>
+          <a:noFill/>
+          <a:extLst>
+            <a:ext uri="{909E8E84-426E-40DD-AFC4-6F175D3DCCD1}">
+              <a14:hiddenFill xmlns:a14="http://schemas.microsoft.com/office/drawing/2010/main">
+                <a:solidFill>
+                  <a:srgbClr val="FFFFFF"/>
+                </a:solidFill>
+              </a14:hiddenFill>
+            </a:ext>
+          </a:extLst>
+        </p:spPr>
+      </p:pic>
+    </p:spTree>
+    <p:extLst>
+      <p:ext uri="{BB962C8B-B14F-4D97-AF65-F5344CB8AC3E}">
+        <p14:creationId xmlns:p14="http://schemas.microsoft.com/office/powerpoint/2010/main" val="153251750"/>
       </p:ext>
     </p:extLst>
   </p:cSld>
@@ -5226,7 +5381,7 @@
                   <a:schemeClr val="bg1"/>
                 </a:solidFill>
               </a:rPr>
-              <a:t>What activities attract most visitors and generate most revenue?</a:t>
+              <a:t>Day Visits: What activities attract most visitors and generate most revenue?</a:t>
             </a:r>
             <a:endParaRPr lang="en-US" sz="3200" dirty="0">
               <a:solidFill>
@@ -5468,7 +5623,7 @@
                   <a:schemeClr val="bg1"/>
                 </a:solidFill>
               </a:rPr>
-              <a:t>Top Activities by visits</a:t>
+              <a:t>Day Visits: Top Activities by visits</a:t>
             </a:r>
             <a:br>
               <a:rPr lang="en-GB" sz="3200" b="1" dirty="0">
@@ -5603,7 +5758,7 @@
         </p:spPr>
         <p:txBody>
           <a:bodyPr vert="horz" lIns="91440" tIns="45720" rIns="91440" bIns="45720" rtlCol="0" anchor="ctr">
-            <a:normAutofit fontScale="90000" lnSpcReduction="20000"/>
+            <a:normAutofit fontScale="82500" lnSpcReduction="20000"/>
           </a:bodyPr>
           <a:lstStyle>
             <a:lvl1pPr algn="l" defTabSz="914400" rtl="0" eaLnBrk="1" latinLnBrk="0" hangingPunct="1">
@@ -5632,6 +5787,14 @@
             </a:endParaRPr>
           </a:p>
           <a:p>
+            <a:r>
+              <a:rPr lang="en-GB" sz="3600" b="1" dirty="0">
+                <a:solidFill>
+                  <a:schemeClr val="bg1"/>
+                </a:solidFill>
+              </a:rPr>
+              <a:t>Day Visits: </a:t>
+            </a:r>
             <a:r>
               <a:rPr lang="en-GB" sz="3300" b="1" dirty="0">
                 <a:solidFill>
@@ -5750,7 +5913,7 @@
           <p:nvPr>
             <p:extLst>
               <p:ext uri="{D42A27DB-BD31-4B8C-83A1-F6EECF244321}">
-                <p14:modId xmlns:p14="http://schemas.microsoft.com/office/powerpoint/2010/main" val="2463318641"/>
+                <p14:modId xmlns:p14="http://schemas.microsoft.com/office/powerpoint/2010/main" val="2991204441"/>
               </p:ext>
             </p:extLst>
           </p:nvPr>
@@ -7600,7 +7763,7 @@
                   <a:schemeClr val="bg1"/>
                 </a:solidFill>
               </a:rPr>
-              <a:t>Difference in Expenditure and Visits for Car Accessibility and Employment Status</a:t>
+              <a:t>Day Visits: Difference in Expenditure and Visits for Car Accessibility and Employment Status</a:t>
             </a:r>
             <a:br>
               <a:rPr lang="en-GB" b="1" dirty="0">
@@ -7699,7 +7862,7 @@
                   <a:schemeClr val="bg1"/>
                 </a:solidFill>
               </a:rPr>
-              <a:t>Difference in Expenditure and Visits for Marital and Family Status</a:t>
+              <a:t>Day Visits: Difference in Expenditure and Visits for Marital and Family Status</a:t>
             </a:r>
             <a:endParaRPr lang="en-US" sz="3200" dirty="0"/>
           </a:p>
@@ -7846,6 +8009,14 @@
           </a:lstStyle>
           <a:p>
             <a:r>
+              <a:rPr lang="en-GB" sz="3200" b="1" dirty="0">
+                <a:solidFill>
+                  <a:schemeClr val="bg1"/>
+                </a:solidFill>
+              </a:rPr>
+              <a:t>Day Visits: </a:t>
+            </a:r>
+            <a:r>
               <a:rPr lang="en-GB" sz="3200" dirty="0">
                 <a:solidFill>
                   <a:schemeClr val="bg1"/>
@@ -9715,6 +9886,14 @@
             </a:lvl1pPr>
           </a:lstStyle>
           <a:p>
+            <a:r>
+              <a:rPr lang="en-GB" sz="3200" b="1" dirty="0">
+                <a:solidFill>
+                  <a:schemeClr val="bg1"/>
+                </a:solidFill>
+              </a:rPr>
+              <a:t>Day Visits: </a:t>
+            </a:r>
             <a:r>
               <a:rPr lang="en-GB" sz="3200" dirty="0">
                 <a:solidFill>

--- a/Visit Scotland Presentation.pptx
+++ b/Visit Scotland Presentation.pptx
@@ -3911,7 +3911,7 @@
           <a:p>
             <a:r>
               <a:rPr lang="en-US" dirty="0"/>
-              <a:t>This overviews indicates that English tourists then to visit and stay longer in  larger cities or areas near the border, while Scottish tourists visit and stay longer in the rural areas of Scotland.</a:t>
+              <a:t>This overviews indicates that English tourists tend to visit and stay longer in  larger cities or areas near the border, while Scottish tourists visit and stay longer in the rural areas of Scotland.</a:t>
             </a:r>
           </a:p>
           <a:p>
@@ -4906,7 +4906,7 @@
         <p:spPr>
           <a:xfrm>
             <a:off x="288099" y="1200329"/>
-            <a:ext cx="10797435" cy="5847755"/>
+            <a:ext cx="10797435" cy="5632311"/>
           </a:xfrm>
           <a:prstGeom prst="rect">
             <a:avLst/>
@@ -4941,7 +4941,7 @@
             </a:pPr>
             <a:r>
               <a:rPr lang="en-US" dirty="0"/>
-              <a:t>People with access to cars and spending significantly more than those without a car on day visits and 60% of all visitors are arriving by car.</a:t>
+              <a:t>People with access to cars are spending significantly more than those without a car on day visits and 60% of all visitors are arriving by car.</a:t>
             </a:r>
           </a:p>
           <a:p>
@@ -4951,7 +4951,7 @@
             </a:pPr>
             <a:r>
               <a:rPr lang="en-US" dirty="0"/>
-              <a:t>Questions: What improvements need to me made to the public transport system in Scotland?</a:t>
+              <a:t>Questions: Are improvements needed to the public transport system in Scotland to encourage use?</a:t>
             </a:r>
           </a:p>
           <a:p>
@@ -5205,7 +5205,7 @@
         <p:spPr>
           <a:xfrm>
             <a:off x="457199" y="1200328"/>
-            <a:ext cx="10915650" cy="5632311"/>
+            <a:ext cx="10915650" cy="5355312"/>
           </a:xfrm>
           <a:prstGeom prst="rect">
             <a:avLst/>
@@ -5239,7 +5239,7 @@
           <a:p>
             <a:r>
               <a:rPr lang="en-US" dirty="0"/>
-              <a:t>Provide insights into Scottish Domestic Tourism for the following based on 2013 to 2019 Scot Gov data.</a:t>
+              <a:t>Provide insights into Scottish Domestic Tourism for Day Visits and Regional Tourism based on 2013 to 2019 Scot Gov data.</a:t>
             </a:r>
           </a:p>
           <a:p>
@@ -5292,16 +5292,6 @@
               <a:rPr lang="en-US" dirty="0"/>
               <a:t> - Tourist’s residency</a:t>
             </a:r>
-          </a:p>
-          <a:p>
-            <a:endParaRPr lang="en-US" dirty="0"/>
-          </a:p>
-          <a:p>
-            <a:r>
-              <a:rPr lang="en-GB" dirty="0"/>
-              <a:t>Data Source: The Scot gov statistics site</a:t>
-            </a:r>
-            <a:endParaRPr lang="en-US" dirty="0"/>
           </a:p>
           <a:p>
             <a:endParaRPr lang="en-US" dirty="0"/>
@@ -5852,7 +5842,7 @@
           <a:p>
             <a:r>
               <a:rPr lang="en-US" dirty="0"/>
-              <a:t>The top spending demographics are people with access to one or more cars, are married, with no children and are in full or part time employment.</a:t>
+              <a:t>The top spending demographics are people with access to one or more cars, are married, with no children or are in full or part time employment.</a:t>
             </a:r>
           </a:p>
           <a:p>

--- a/Visit Scotland Presentation.pptx
+++ b/Visit Scotland Presentation.pptx
@@ -3703,36 +3703,6 @@
       </p:sp>
       <p:pic>
         <p:nvPicPr>
-          <p:cNvPr id="7" name="Picture 6" descr="Chart&#10;&#10;Description automatically generated">
-            <a:extLst>
-              <a:ext uri="{FF2B5EF4-FFF2-40B4-BE49-F238E27FC236}">
-                <a16:creationId xmlns:a16="http://schemas.microsoft.com/office/drawing/2014/main" id="{A0BC8ADF-A46E-2B42-86D7-40D38ECE3F1C}"/>
-              </a:ext>
-            </a:extLst>
-          </p:cNvPr>
-          <p:cNvPicPr>
-            <a:picLocks noChangeAspect="1"/>
-          </p:cNvPicPr>
-          <p:nvPr/>
-        </p:nvPicPr>
-        <p:blipFill>
-          <a:blip r:embed="rId2"/>
-          <a:stretch>
-            <a:fillRect/>
-          </a:stretch>
-        </p:blipFill>
-        <p:spPr>
-          <a:xfrm>
-            <a:off x="207962" y="1371600"/>
-            <a:ext cx="6850064" cy="5172075"/>
-          </a:xfrm>
-          <a:prstGeom prst="rect">
-            <a:avLst/>
-          </a:prstGeom>
-        </p:spPr>
-      </p:pic>
-      <p:pic>
-        <p:nvPicPr>
           <p:cNvPr id="9" name="Picture 8" descr="Chart, scatter chart&#10;&#10;Description automatically generated">
             <a:extLst>
               <a:ext uri="{FF2B5EF4-FFF2-40B4-BE49-F238E27FC236}">
@@ -3746,7 +3716,7 @@
           <p:nvPr/>
         </p:nvPicPr>
         <p:blipFill rotWithShape="1">
-          <a:blip r:embed="rId3"/>
+          <a:blip r:embed="rId2"/>
           <a:srcRect l="32004" r="26636"/>
           <a:stretch/>
         </p:blipFill>
@@ -3754,6 +3724,36 @@
           <a:xfrm>
             <a:off x="8115301" y="1371600"/>
             <a:ext cx="3571875" cy="5486400"/>
+          </a:xfrm>
+          <a:prstGeom prst="rect">
+            <a:avLst/>
+          </a:prstGeom>
+        </p:spPr>
+      </p:pic>
+      <p:pic>
+        <p:nvPicPr>
+          <p:cNvPr id="12" name="Picture 11" descr="Chart&#10;&#10;Description automatically generated">
+            <a:extLst>
+              <a:ext uri="{FF2B5EF4-FFF2-40B4-BE49-F238E27FC236}">
+                <a16:creationId xmlns:a16="http://schemas.microsoft.com/office/drawing/2014/main" id="{C1FB033E-690B-D549-A8BF-BB2817473D9C}"/>
+              </a:ext>
+            </a:extLst>
+          </p:cNvPr>
+          <p:cNvPicPr>
+            <a:picLocks noChangeAspect="1"/>
+          </p:cNvPicPr>
+          <p:nvPr/>
+        </p:nvPicPr>
+        <p:blipFill>
+          <a:blip r:embed="rId3"/>
+          <a:stretch>
+            <a:fillRect/>
+          </a:stretch>
+        </p:blipFill>
+        <p:spPr>
+          <a:xfrm>
+            <a:off x="0" y="1371600"/>
+            <a:ext cx="8115301" cy="5091830"/>
           </a:xfrm>
           <a:prstGeom prst="rect">
             <a:avLst/>
@@ -3851,36 +3851,6 @@
           </a:p>
         </p:txBody>
       </p:sp>
-      <p:pic>
-        <p:nvPicPr>
-          <p:cNvPr id="3" name="Picture 2" descr="Chart, bar chart&#10;&#10;Description automatically generated">
-            <a:extLst>
-              <a:ext uri="{FF2B5EF4-FFF2-40B4-BE49-F238E27FC236}">
-                <a16:creationId xmlns:a16="http://schemas.microsoft.com/office/drawing/2014/main" id="{96591340-F9F1-EC40-B7F2-45221BF7C88B}"/>
-              </a:ext>
-            </a:extLst>
-          </p:cNvPr>
-          <p:cNvPicPr>
-            <a:picLocks noChangeAspect="1"/>
-          </p:cNvPicPr>
-          <p:nvPr/>
-        </p:nvPicPr>
-        <p:blipFill>
-          <a:blip r:embed="rId2"/>
-          <a:stretch>
-            <a:fillRect/>
-          </a:stretch>
-        </p:blipFill>
-        <p:spPr>
-          <a:xfrm>
-            <a:off x="157164" y="1517741"/>
-            <a:ext cx="8029574" cy="5105253"/>
-          </a:xfrm>
-          <a:prstGeom prst="rect">
-            <a:avLst/>
-          </a:prstGeom>
-        </p:spPr>
-      </p:pic>
       <p:sp>
         <p:nvSpPr>
           <p:cNvPr id="5" name="TextBox 4">
@@ -3940,7 +3910,7 @@
           <p:nvPr/>
         </p:nvPicPr>
         <p:blipFill>
-          <a:blip r:embed="rId3">
+          <a:blip r:embed="rId2">
             <a:extLst>
               <a:ext uri="{28A0092B-C50C-407E-A947-70E740481C1C}">
                 <a14:useLocalDpi xmlns:a14="http://schemas.microsoft.com/office/drawing/2010/main" val="0"/>
@@ -3970,6 +3940,36 @@
               </a14:hiddenFill>
             </a:ext>
           </a:extLst>
+        </p:spPr>
+      </p:pic>
+      <p:pic>
+        <p:nvPicPr>
+          <p:cNvPr id="10" name="Picture 9" descr="Chart, bar chart&#10;&#10;Description automatically generated">
+            <a:extLst>
+              <a:ext uri="{FF2B5EF4-FFF2-40B4-BE49-F238E27FC236}">
+                <a16:creationId xmlns:a16="http://schemas.microsoft.com/office/drawing/2014/main" id="{01B719EA-FE0F-8A47-BAD6-17B8DAC04C18}"/>
+              </a:ext>
+            </a:extLst>
+          </p:cNvPr>
+          <p:cNvPicPr>
+            <a:picLocks noChangeAspect="1"/>
+          </p:cNvPicPr>
+          <p:nvPr/>
+        </p:nvPicPr>
+        <p:blipFill>
+          <a:blip r:embed="rId3"/>
+          <a:stretch>
+            <a:fillRect/>
+          </a:stretch>
+        </p:blipFill>
+        <p:spPr>
+          <a:xfrm>
+            <a:off x="0" y="1517741"/>
+            <a:ext cx="8250648" cy="5091829"/>
+          </a:xfrm>
+          <a:prstGeom prst="rect">
+            <a:avLst/>
+          </a:prstGeom>
         </p:spPr>
       </p:pic>
     </p:spTree>

--- a/Visit Scotland Presentation.pptx
+++ b/Visit Scotland Presentation.pptx
@@ -3703,35 +3703,6 @@
       </p:sp>
       <p:pic>
         <p:nvPicPr>
-          <p:cNvPr id="9" name="Picture 8" descr="Chart, scatter chart&#10;&#10;Description automatically generated">
-            <a:extLst>
-              <a:ext uri="{FF2B5EF4-FFF2-40B4-BE49-F238E27FC236}">
-                <a16:creationId xmlns:a16="http://schemas.microsoft.com/office/drawing/2014/main" id="{4A632251-3A71-654E-89C3-775EB8197076}"/>
-              </a:ext>
-            </a:extLst>
-          </p:cNvPr>
-          <p:cNvPicPr>
-            <a:picLocks noChangeAspect="1"/>
-          </p:cNvPicPr>
-          <p:nvPr/>
-        </p:nvPicPr>
-        <p:blipFill rotWithShape="1">
-          <a:blip r:embed="rId2"/>
-          <a:srcRect l="32004" r="26636"/>
-          <a:stretch/>
-        </p:blipFill>
-        <p:spPr>
-          <a:xfrm>
-            <a:off x="8115301" y="1371600"/>
-            <a:ext cx="3571875" cy="5486400"/>
-          </a:xfrm>
-          <a:prstGeom prst="rect">
-            <a:avLst/>
-          </a:prstGeom>
-        </p:spPr>
-      </p:pic>
-      <p:pic>
-        <p:nvPicPr>
           <p:cNvPr id="12" name="Picture 11" descr="Chart&#10;&#10;Description automatically generated">
             <a:extLst>
               <a:ext uri="{FF2B5EF4-FFF2-40B4-BE49-F238E27FC236}">
@@ -3745,7 +3716,7 @@
           <p:nvPr/>
         </p:nvPicPr>
         <p:blipFill>
-          <a:blip r:embed="rId3"/>
+          <a:blip r:embed="rId2"/>
           <a:stretch>
             <a:fillRect/>
           </a:stretch>
@@ -3754,6 +3725,35 @@
           <a:xfrm>
             <a:off x="0" y="1371600"/>
             <a:ext cx="8115301" cy="5091830"/>
+          </a:xfrm>
+          <a:prstGeom prst="rect">
+            <a:avLst/>
+          </a:prstGeom>
+        </p:spPr>
+      </p:pic>
+      <p:pic>
+        <p:nvPicPr>
+          <p:cNvPr id="14" name="Picture 13" descr="Chart, scatter chart&#10;&#10;Description automatically generated">
+            <a:extLst>
+              <a:ext uri="{FF2B5EF4-FFF2-40B4-BE49-F238E27FC236}">
+                <a16:creationId xmlns:a16="http://schemas.microsoft.com/office/drawing/2014/main" id="{CE05D098-4A70-A94F-B2D4-8DA47CF721F1}"/>
+              </a:ext>
+            </a:extLst>
+          </p:cNvPr>
+          <p:cNvPicPr>
+            <a:picLocks noChangeAspect="1"/>
+          </p:cNvPicPr>
+          <p:nvPr/>
+        </p:nvPicPr>
+        <p:blipFill rotWithShape="1">
+          <a:blip r:embed="rId3"/>
+          <a:srcRect l="31589" r="23746"/>
+          <a:stretch/>
+        </p:blipFill>
+        <p:spPr>
+          <a:xfrm>
+            <a:off x="8115301" y="1371600"/>
+            <a:ext cx="3970750" cy="5486400"/>
           </a:xfrm>
           <a:prstGeom prst="rect">
             <a:avLst/>
@@ -9744,7 +9744,7 @@
           <a:p>
             <a:r>
               <a:rPr lang="en-US" dirty="0"/>
-              <a:t>City and large towns make up 57% of expenditure and 46% of all day visits to Scotland</a:t>
+              <a:t>Cities and large towns make up 57% of expenditure and 46% of all day visits to Scotland</a:t>
             </a:r>
           </a:p>
         </p:txBody>
